--- a/input/images-source/LabExampleE2Technical.pptx
+++ b/input/images-source/LabExampleE2Technical.pptx
@@ -259,7 +259,7 @@
           <a:p>
             <a:fld id="{5380F71B-98C8-4021-BD6F-7E8A68EA6340}" type="datetimeFigureOut">
               <a:rPr lang="fr-FR" smtClean="0"/>
-              <a:t>11/02/2020</a:t>
+              <a:t>12/02/2020</a:t>
             </a:fld>
             <a:endParaRPr lang="fr-FR"/>
           </a:p>
@@ -457,7 +457,7 @@
           <a:p>
             <a:fld id="{5380F71B-98C8-4021-BD6F-7E8A68EA6340}" type="datetimeFigureOut">
               <a:rPr lang="fr-FR" smtClean="0"/>
-              <a:t>11/02/2020</a:t>
+              <a:t>12/02/2020</a:t>
             </a:fld>
             <a:endParaRPr lang="fr-FR"/>
           </a:p>
@@ -665,7 +665,7 @@
           <a:p>
             <a:fld id="{5380F71B-98C8-4021-BD6F-7E8A68EA6340}" type="datetimeFigureOut">
               <a:rPr lang="fr-FR" smtClean="0"/>
-              <a:t>11/02/2020</a:t>
+              <a:t>12/02/2020</a:t>
             </a:fld>
             <a:endParaRPr lang="fr-FR"/>
           </a:p>
@@ -863,7 +863,7 @@
           <a:p>
             <a:fld id="{5380F71B-98C8-4021-BD6F-7E8A68EA6340}" type="datetimeFigureOut">
               <a:rPr lang="fr-FR" smtClean="0"/>
-              <a:t>11/02/2020</a:t>
+              <a:t>12/02/2020</a:t>
             </a:fld>
             <a:endParaRPr lang="fr-FR"/>
           </a:p>
@@ -1138,7 +1138,7 @@
           <a:p>
             <a:fld id="{5380F71B-98C8-4021-BD6F-7E8A68EA6340}" type="datetimeFigureOut">
               <a:rPr lang="fr-FR" smtClean="0"/>
-              <a:t>11/02/2020</a:t>
+              <a:t>12/02/2020</a:t>
             </a:fld>
             <a:endParaRPr lang="fr-FR"/>
           </a:p>
@@ -1403,7 +1403,7 @@
           <a:p>
             <a:fld id="{5380F71B-98C8-4021-BD6F-7E8A68EA6340}" type="datetimeFigureOut">
               <a:rPr lang="fr-FR" smtClean="0"/>
-              <a:t>11/02/2020</a:t>
+              <a:t>12/02/2020</a:t>
             </a:fld>
             <a:endParaRPr lang="fr-FR"/>
           </a:p>
@@ -1815,7 +1815,7 @@
           <a:p>
             <a:fld id="{5380F71B-98C8-4021-BD6F-7E8A68EA6340}" type="datetimeFigureOut">
               <a:rPr lang="fr-FR" smtClean="0"/>
-              <a:t>11/02/2020</a:t>
+              <a:t>12/02/2020</a:t>
             </a:fld>
             <a:endParaRPr lang="fr-FR"/>
           </a:p>
@@ -1956,7 +1956,7 @@
           <a:p>
             <a:fld id="{5380F71B-98C8-4021-BD6F-7E8A68EA6340}" type="datetimeFigureOut">
               <a:rPr lang="fr-FR" smtClean="0"/>
-              <a:t>11/02/2020</a:t>
+              <a:t>12/02/2020</a:t>
             </a:fld>
             <a:endParaRPr lang="fr-FR"/>
           </a:p>
@@ -2069,7 +2069,7 @@
           <a:p>
             <a:fld id="{5380F71B-98C8-4021-BD6F-7E8A68EA6340}" type="datetimeFigureOut">
               <a:rPr lang="fr-FR" smtClean="0"/>
-              <a:t>11/02/2020</a:t>
+              <a:t>12/02/2020</a:t>
             </a:fld>
             <a:endParaRPr lang="fr-FR"/>
           </a:p>
@@ -2380,7 +2380,7 @@
           <a:p>
             <a:fld id="{5380F71B-98C8-4021-BD6F-7E8A68EA6340}" type="datetimeFigureOut">
               <a:rPr lang="fr-FR" smtClean="0"/>
-              <a:t>11/02/2020</a:t>
+              <a:t>12/02/2020</a:t>
             </a:fld>
             <a:endParaRPr lang="fr-FR"/>
           </a:p>
@@ -2668,7 +2668,7 @@
           <a:p>
             <a:fld id="{5380F71B-98C8-4021-BD6F-7E8A68EA6340}" type="datetimeFigureOut">
               <a:rPr lang="fr-FR" smtClean="0"/>
-              <a:t>11/02/2020</a:t>
+              <a:t>12/02/2020</a:t>
             </a:fld>
             <a:endParaRPr lang="fr-FR"/>
           </a:p>
@@ -2909,7 +2909,7 @@
           <a:p>
             <a:fld id="{5380F71B-98C8-4021-BD6F-7E8A68EA6340}" type="datetimeFigureOut">
               <a:rPr lang="fr-FR" smtClean="0"/>
-              <a:t>11/02/2020</a:t>
+              <a:t>12/02/2020</a:t>
             </a:fld>
             <a:endParaRPr lang="fr-FR"/>
           </a:p>
@@ -4404,8 +4404,8 @@
         </p:nvSpPr>
         <p:spPr>
           <a:xfrm>
-            <a:off x="265471" y="255639"/>
-            <a:ext cx="10874477" cy="584775"/>
+            <a:off x="159078" y="712932"/>
+            <a:ext cx="10874477" cy="461665"/>
           </a:xfrm>
           <a:prstGeom prst="rect">
             <a:avLst/>
@@ -4419,11 +4419,11 @@
           <a:lstStyle/>
           <a:p>
             <a:r>
-              <a:rPr lang="en-US" sz="3200" dirty="0"/>
+              <a:rPr lang="en-US" sz="2400" dirty="0"/>
               <a:t>E2: Serum electrolyte </a:t>
             </a:r>
             <a:r>
-              <a:rPr lang="en-US" sz="3200" dirty="0">
+              <a:rPr lang="en-US" sz="2400" dirty="0">
                 <a:highlight>
                   <a:srgbClr val="00FF00"/>
                 </a:highlight>
@@ -4431,11 +4431,11 @@
               <a:t>panel</a:t>
             </a:r>
             <a:r>
-              <a:rPr lang="en-US" sz="3200" dirty="0"/>
+              <a:rPr lang="en-US" sz="2400" dirty="0"/>
               <a:t>, </a:t>
             </a:r>
             <a:r>
-              <a:rPr lang="en-US" sz="3200" dirty="0">
+              <a:rPr lang="en-US" sz="2400" dirty="0">
                 <a:highlight>
                   <a:srgbClr val="FFFF00"/>
                 </a:highlight>
@@ -4443,7 +4443,7 @@
               <a:t>orderable</a:t>
             </a:r>
             <a:r>
-              <a:rPr lang="en-US" sz="3200" dirty="0"/>
+              <a:rPr lang="en-US" sz="2400" dirty="0"/>
               <a:t>: summary of content</a:t>
             </a:r>
           </a:p>

--- a/input/images-source/LabExampleE2Technical.pptx
+++ b/input/images-source/LabExampleE2Technical.pptx
@@ -259,7 +259,7 @@
           <a:p>
             <a:fld id="{5380F71B-98C8-4021-BD6F-7E8A68EA6340}" type="datetimeFigureOut">
               <a:rPr lang="fr-FR" smtClean="0"/>
-              <a:t>12/02/2020</a:t>
+              <a:t>08/06/2020</a:t>
             </a:fld>
             <a:endParaRPr lang="fr-FR"/>
           </a:p>
@@ -457,7 +457,7 @@
           <a:p>
             <a:fld id="{5380F71B-98C8-4021-BD6F-7E8A68EA6340}" type="datetimeFigureOut">
               <a:rPr lang="fr-FR" smtClean="0"/>
-              <a:t>12/02/2020</a:t>
+              <a:t>08/06/2020</a:t>
             </a:fld>
             <a:endParaRPr lang="fr-FR"/>
           </a:p>
@@ -665,7 +665,7 @@
           <a:p>
             <a:fld id="{5380F71B-98C8-4021-BD6F-7E8A68EA6340}" type="datetimeFigureOut">
               <a:rPr lang="fr-FR" smtClean="0"/>
-              <a:t>12/02/2020</a:t>
+              <a:t>08/06/2020</a:t>
             </a:fld>
             <a:endParaRPr lang="fr-FR"/>
           </a:p>
@@ -863,7 +863,7 @@
           <a:p>
             <a:fld id="{5380F71B-98C8-4021-BD6F-7E8A68EA6340}" type="datetimeFigureOut">
               <a:rPr lang="fr-FR" smtClean="0"/>
-              <a:t>12/02/2020</a:t>
+              <a:t>08/06/2020</a:t>
             </a:fld>
             <a:endParaRPr lang="fr-FR"/>
           </a:p>
@@ -1138,7 +1138,7 @@
           <a:p>
             <a:fld id="{5380F71B-98C8-4021-BD6F-7E8A68EA6340}" type="datetimeFigureOut">
               <a:rPr lang="fr-FR" smtClean="0"/>
-              <a:t>12/02/2020</a:t>
+              <a:t>08/06/2020</a:t>
             </a:fld>
             <a:endParaRPr lang="fr-FR"/>
           </a:p>
@@ -1403,7 +1403,7 @@
           <a:p>
             <a:fld id="{5380F71B-98C8-4021-BD6F-7E8A68EA6340}" type="datetimeFigureOut">
               <a:rPr lang="fr-FR" smtClean="0"/>
-              <a:t>12/02/2020</a:t>
+              <a:t>08/06/2020</a:t>
             </a:fld>
             <a:endParaRPr lang="fr-FR"/>
           </a:p>
@@ -1815,7 +1815,7 @@
           <a:p>
             <a:fld id="{5380F71B-98C8-4021-BD6F-7E8A68EA6340}" type="datetimeFigureOut">
               <a:rPr lang="fr-FR" smtClean="0"/>
-              <a:t>12/02/2020</a:t>
+              <a:t>08/06/2020</a:t>
             </a:fld>
             <a:endParaRPr lang="fr-FR"/>
           </a:p>
@@ -1956,7 +1956,7 @@
           <a:p>
             <a:fld id="{5380F71B-98C8-4021-BD6F-7E8A68EA6340}" type="datetimeFigureOut">
               <a:rPr lang="fr-FR" smtClean="0"/>
-              <a:t>12/02/2020</a:t>
+              <a:t>08/06/2020</a:t>
             </a:fld>
             <a:endParaRPr lang="fr-FR"/>
           </a:p>
@@ -2069,7 +2069,7 @@
           <a:p>
             <a:fld id="{5380F71B-98C8-4021-BD6F-7E8A68EA6340}" type="datetimeFigureOut">
               <a:rPr lang="fr-FR" smtClean="0"/>
-              <a:t>12/02/2020</a:t>
+              <a:t>08/06/2020</a:t>
             </a:fld>
             <a:endParaRPr lang="fr-FR"/>
           </a:p>
@@ -2380,7 +2380,7 @@
           <a:p>
             <a:fld id="{5380F71B-98C8-4021-BD6F-7E8A68EA6340}" type="datetimeFigureOut">
               <a:rPr lang="fr-FR" smtClean="0"/>
-              <a:t>12/02/2020</a:t>
+              <a:t>08/06/2020</a:t>
             </a:fld>
             <a:endParaRPr lang="fr-FR"/>
           </a:p>
@@ -2668,7 +2668,7 @@
           <a:p>
             <a:fld id="{5380F71B-98C8-4021-BD6F-7E8A68EA6340}" type="datetimeFigureOut">
               <a:rPr lang="fr-FR" smtClean="0"/>
-              <a:t>12/02/2020</a:t>
+              <a:t>08/06/2020</a:t>
             </a:fld>
             <a:endParaRPr lang="fr-FR"/>
           </a:p>
@@ -2909,7 +2909,7 @@
           <a:p>
             <a:fld id="{5380F71B-98C8-4021-BD6F-7E8A68EA6340}" type="datetimeFigureOut">
               <a:rPr lang="fr-FR" smtClean="0"/>
-              <a:t>12/02/2020</a:t>
+              <a:t>08/06/2020</a:t>
             </a:fld>
             <a:endParaRPr lang="fr-FR"/>
           </a:p>
@@ -3340,8 +3340,8 @@
         </p:nvSpPr>
         <p:spPr>
           <a:xfrm>
-            <a:off x="5871831" y="2473207"/>
-            <a:ext cx="3362044" cy="2886194"/>
+            <a:off x="5727585" y="3109383"/>
+            <a:ext cx="3362044" cy="2650348"/>
           </a:xfrm>
           <a:prstGeom prst="roundRect">
             <a:avLst>
@@ -3525,17 +3525,6 @@
                   <a:srgbClr val="0070C0"/>
                 </a:solidFill>
               </a:rPr>
-              <a:t>specimenRequirement</a:t>
-            </a:r>
-          </a:p>
-          <a:p>
-            <a:pPr marL="268288"/>
-            <a:r>
-              <a:rPr lang="en-US" sz="1600" noProof="1">
-                <a:solidFill>
-                  <a:srgbClr val="0070C0"/>
-                </a:solidFill>
-              </a:rPr>
               <a:t>observationRequirement</a:t>
             </a:r>
           </a:p>
@@ -3588,7 +3577,7 @@
         </p:nvSpPr>
         <p:spPr>
           <a:xfrm>
-            <a:off x="9523647" y="1440611"/>
+            <a:off x="5745269" y="1650923"/>
             <a:ext cx="2438933" cy="1167952"/>
           </a:xfrm>
           <a:prstGeom prst="roundRect">
@@ -3681,7 +3670,7 @@
         </p:nvSpPr>
         <p:spPr>
           <a:xfrm>
-            <a:off x="9523647" y="4698192"/>
+            <a:off x="9291737" y="4088590"/>
             <a:ext cx="2438936" cy="863460"/>
           </a:xfrm>
           <a:prstGeom prst="roundRect">
@@ -3760,14 +3749,13 @@
           </p:cNvPr>
           <p:cNvCxnSpPr>
             <a:cxnSpLocks/>
-            <a:endCxn id="24" idx="1"/>
           </p:cNvCxnSpPr>
           <p:nvPr/>
         </p:nvCxnSpPr>
         <p:spPr>
-          <a:xfrm>
-            <a:off x="8944075" y="4983278"/>
-            <a:ext cx="579572" cy="146644"/>
+          <a:xfrm flipV="1">
+            <a:off x="8859078" y="4520321"/>
+            <a:ext cx="405363" cy="772147"/>
           </a:xfrm>
           <a:prstGeom prst="straightConnector1">
             <a:avLst/>
@@ -3811,8 +3799,53 @@
         </p:nvCxnSpPr>
         <p:spPr>
           <a:xfrm flipV="1">
-            <a:off x="8305800" y="2024587"/>
-            <a:ext cx="1217847" cy="2199924"/>
+            <a:off x="5194852" y="2234899"/>
+            <a:ext cx="550417" cy="3009728"/>
+          </a:xfrm>
+          <a:prstGeom prst="straightConnector1">
+            <a:avLst/>
+          </a:prstGeom>
+          <a:ln>
+            <a:solidFill>
+              <a:srgbClr val="00B050"/>
+            </a:solidFill>
+            <a:tailEnd type="triangle" w="lg" len="lg"/>
+          </a:ln>
+        </p:spPr>
+        <p:style>
+          <a:lnRef idx="1">
+            <a:schemeClr val="accent1"/>
+          </a:lnRef>
+          <a:fillRef idx="0">
+            <a:schemeClr val="accent1"/>
+          </a:fillRef>
+          <a:effectRef idx="0">
+            <a:schemeClr val="accent1"/>
+          </a:effectRef>
+          <a:fontRef idx="minor">
+            <a:schemeClr val="tx1"/>
+          </a:fontRef>
+        </p:style>
+      </p:cxnSp>
+      <p:cxnSp>
+        <p:nvCxnSpPr>
+          <p:cNvPr id="38" name="Connecteur droit avec flèche 37">
+            <a:extLst>
+              <a:ext uri="{FF2B5EF4-FFF2-40B4-BE49-F238E27FC236}">
+                <a16:creationId xmlns:a16="http://schemas.microsoft.com/office/drawing/2014/main" id="{EF1F3B6C-6D4A-41A5-AF56-0F82A7D7C1BF}"/>
+              </a:ext>
+            </a:extLst>
+          </p:cNvPr>
+          <p:cNvCxnSpPr>
+            <a:cxnSpLocks/>
+            <a:endCxn id="4" idx="1"/>
+          </p:cNvCxnSpPr>
+          <p:nvPr/>
+        </p:nvCxnSpPr>
+        <p:spPr>
+          <a:xfrm flipV="1">
+            <a:off x="5118758" y="4434557"/>
+            <a:ext cx="608827" cy="1325176"/>
           </a:xfrm>
           <a:prstGeom prst="straightConnector1">
             <a:avLst/>
@@ -3839,51 +3872,6 @@
           </a:fontRef>
         </p:style>
       </p:cxnSp>
-      <p:cxnSp>
-        <p:nvCxnSpPr>
-          <p:cNvPr id="38" name="Connecteur droit avec flèche 37">
-            <a:extLst>
-              <a:ext uri="{FF2B5EF4-FFF2-40B4-BE49-F238E27FC236}">
-                <a16:creationId xmlns:a16="http://schemas.microsoft.com/office/drawing/2014/main" id="{EF1F3B6C-6D4A-41A5-AF56-0F82A7D7C1BF}"/>
-              </a:ext>
-            </a:extLst>
-          </p:cNvPr>
-          <p:cNvCxnSpPr>
-            <a:cxnSpLocks/>
-            <a:endCxn id="4" idx="1"/>
-          </p:cNvCxnSpPr>
-          <p:nvPr/>
-        </p:nvCxnSpPr>
-        <p:spPr>
-          <a:xfrm flipV="1">
-            <a:off x="5003800" y="3916304"/>
-            <a:ext cx="868031" cy="1594548"/>
-          </a:xfrm>
-          <a:prstGeom prst="straightConnector1">
-            <a:avLst/>
-          </a:prstGeom>
-          <a:ln>
-            <a:solidFill>
-              <a:schemeClr val="tx1"/>
-            </a:solidFill>
-            <a:tailEnd type="triangle" w="lg" len="lg"/>
-          </a:ln>
-        </p:spPr>
-        <p:style>
-          <a:lnRef idx="1">
-            <a:schemeClr val="accent1"/>
-          </a:lnRef>
-          <a:fillRef idx="0">
-            <a:schemeClr val="accent1"/>
-          </a:fillRef>
-          <a:effectRef idx="0">
-            <a:schemeClr val="accent1"/>
-          </a:effectRef>
-          <a:fontRef idx="minor">
-            <a:schemeClr val="tx1"/>
-          </a:fontRef>
-        </p:style>
-      </p:cxnSp>
       <p:sp>
         <p:nvSpPr>
           <p:cNvPr id="40" name="Rectangle : coins arrondis 39">
@@ -3898,7 +3886,7 @@
         </p:nvSpPr>
         <p:spPr>
           <a:xfrm>
-            <a:off x="9523647" y="2718142"/>
+            <a:off x="9291737" y="2108540"/>
             <a:ext cx="2412548" cy="863460"/>
           </a:xfrm>
           <a:prstGeom prst="roundRect">
@@ -3983,8 +3971,8 @@
         </p:nvCxnSpPr>
         <p:spPr>
           <a:xfrm flipV="1">
-            <a:off x="8445500" y="3149872"/>
-            <a:ext cx="1078147" cy="1250531"/>
+            <a:off x="8245490" y="2540270"/>
+            <a:ext cx="1046247" cy="2229366"/>
           </a:xfrm>
           <a:prstGeom prst="straightConnector1">
             <a:avLst/>
@@ -4026,7 +4014,7 @@
         <p:spPr>
           <a:xfrm>
             <a:off x="2642952" y="1275544"/>
-            <a:ext cx="2909821" cy="4335653"/>
+            <a:ext cx="2909821" cy="4648178"/>
           </a:xfrm>
           <a:prstGeom prst="roundRect">
             <a:avLst>
@@ -4346,6 +4334,17 @@
             <a:r>
               <a:rPr lang="en-US" sz="1600" noProof="1">
                 <a:solidFill>
+                  <a:srgbClr val="00B050"/>
+                </a:solidFill>
+              </a:rPr>
+              <a:t>   specimenRequirements </a:t>
+            </a:r>
+          </a:p>
+          <a:p>
+            <a:pPr algn="ctr"/>
+            <a:r>
+              <a:rPr lang="en-US" sz="1600" noProof="1">
+                <a:solidFill>
                   <a:srgbClr val="0070C0"/>
                 </a:solidFill>
               </a:rPr>
@@ -4463,7 +4462,7 @@
         </p:nvSpPr>
         <p:spPr>
           <a:xfrm>
-            <a:off x="9523646" y="3702612"/>
+            <a:off x="9291736" y="3093010"/>
             <a:ext cx="2438936" cy="863460"/>
           </a:xfrm>
           <a:prstGeom prst="roundRect">
@@ -4548,8 +4547,8 @@
         </p:nvCxnSpPr>
         <p:spPr>
           <a:xfrm flipV="1">
-            <a:off x="8944074" y="4134342"/>
-            <a:ext cx="579572" cy="532075"/>
+            <a:off x="8768614" y="3524740"/>
+            <a:ext cx="523122" cy="1477220"/>
           </a:xfrm>
           <a:prstGeom prst="straightConnector1">
             <a:avLst/>
@@ -4590,7 +4589,7 @@
         </p:nvSpPr>
         <p:spPr>
           <a:xfrm>
-            <a:off x="9523645" y="5700097"/>
+            <a:off x="9291735" y="5090495"/>
             <a:ext cx="2438936" cy="863459"/>
           </a:xfrm>
           <a:prstGeom prst="roundRect">
@@ -4675,8 +4674,8 @@
         </p:nvCxnSpPr>
         <p:spPr>
           <a:xfrm>
-            <a:off x="8944075" y="5268367"/>
-            <a:ext cx="579570" cy="863460"/>
+            <a:off x="8859078" y="5522225"/>
+            <a:ext cx="432657" cy="0"/>
           </a:xfrm>
           <a:prstGeom prst="straightConnector1">
             <a:avLst/>

--- a/input/images-source/LabExampleE2Technical.pptx
+++ b/input/images-source/LabExampleE2Technical.pptx
@@ -259,7 +259,7 @@
           <a:p>
             <a:fld id="{5380F71B-98C8-4021-BD6F-7E8A68EA6340}" type="datetimeFigureOut">
               <a:rPr lang="fr-FR" smtClean="0"/>
-              <a:t>08/06/2020</a:t>
+              <a:t>12/06/2020</a:t>
             </a:fld>
             <a:endParaRPr lang="fr-FR"/>
           </a:p>
@@ -457,7 +457,7 @@
           <a:p>
             <a:fld id="{5380F71B-98C8-4021-BD6F-7E8A68EA6340}" type="datetimeFigureOut">
               <a:rPr lang="fr-FR" smtClean="0"/>
-              <a:t>08/06/2020</a:t>
+              <a:t>12/06/2020</a:t>
             </a:fld>
             <a:endParaRPr lang="fr-FR"/>
           </a:p>
@@ -665,7 +665,7 @@
           <a:p>
             <a:fld id="{5380F71B-98C8-4021-BD6F-7E8A68EA6340}" type="datetimeFigureOut">
               <a:rPr lang="fr-FR" smtClean="0"/>
-              <a:t>08/06/2020</a:t>
+              <a:t>12/06/2020</a:t>
             </a:fld>
             <a:endParaRPr lang="fr-FR"/>
           </a:p>
@@ -863,7 +863,7 @@
           <a:p>
             <a:fld id="{5380F71B-98C8-4021-BD6F-7E8A68EA6340}" type="datetimeFigureOut">
               <a:rPr lang="fr-FR" smtClean="0"/>
-              <a:t>08/06/2020</a:t>
+              <a:t>12/06/2020</a:t>
             </a:fld>
             <a:endParaRPr lang="fr-FR"/>
           </a:p>
@@ -1138,7 +1138,7 @@
           <a:p>
             <a:fld id="{5380F71B-98C8-4021-BD6F-7E8A68EA6340}" type="datetimeFigureOut">
               <a:rPr lang="fr-FR" smtClean="0"/>
-              <a:t>08/06/2020</a:t>
+              <a:t>12/06/2020</a:t>
             </a:fld>
             <a:endParaRPr lang="fr-FR"/>
           </a:p>
@@ -1403,7 +1403,7 @@
           <a:p>
             <a:fld id="{5380F71B-98C8-4021-BD6F-7E8A68EA6340}" type="datetimeFigureOut">
               <a:rPr lang="fr-FR" smtClean="0"/>
-              <a:t>08/06/2020</a:t>
+              <a:t>12/06/2020</a:t>
             </a:fld>
             <a:endParaRPr lang="fr-FR"/>
           </a:p>
@@ -1815,7 +1815,7 @@
           <a:p>
             <a:fld id="{5380F71B-98C8-4021-BD6F-7E8A68EA6340}" type="datetimeFigureOut">
               <a:rPr lang="fr-FR" smtClean="0"/>
-              <a:t>08/06/2020</a:t>
+              <a:t>12/06/2020</a:t>
             </a:fld>
             <a:endParaRPr lang="fr-FR"/>
           </a:p>
@@ -1956,7 +1956,7 @@
           <a:p>
             <a:fld id="{5380F71B-98C8-4021-BD6F-7E8A68EA6340}" type="datetimeFigureOut">
               <a:rPr lang="fr-FR" smtClean="0"/>
-              <a:t>08/06/2020</a:t>
+              <a:t>12/06/2020</a:t>
             </a:fld>
             <a:endParaRPr lang="fr-FR"/>
           </a:p>
@@ -2069,7 +2069,7 @@
           <a:p>
             <a:fld id="{5380F71B-98C8-4021-BD6F-7E8A68EA6340}" type="datetimeFigureOut">
               <a:rPr lang="fr-FR" smtClean="0"/>
-              <a:t>08/06/2020</a:t>
+              <a:t>12/06/2020</a:t>
             </a:fld>
             <a:endParaRPr lang="fr-FR"/>
           </a:p>
@@ -2380,7 +2380,7 @@
           <a:p>
             <a:fld id="{5380F71B-98C8-4021-BD6F-7E8A68EA6340}" type="datetimeFigureOut">
               <a:rPr lang="fr-FR" smtClean="0"/>
-              <a:t>08/06/2020</a:t>
+              <a:t>12/06/2020</a:t>
             </a:fld>
             <a:endParaRPr lang="fr-FR"/>
           </a:p>
@@ -2668,7 +2668,7 @@
           <a:p>
             <a:fld id="{5380F71B-98C8-4021-BD6F-7E8A68EA6340}" type="datetimeFigureOut">
               <a:rPr lang="fr-FR" smtClean="0"/>
-              <a:t>08/06/2020</a:t>
+              <a:t>12/06/2020</a:t>
             </a:fld>
             <a:endParaRPr lang="fr-FR"/>
           </a:p>
@@ -2909,7 +2909,7 @@
           <a:p>
             <a:fld id="{5380F71B-98C8-4021-BD6F-7E8A68EA6340}" type="datetimeFigureOut">
               <a:rPr lang="fr-FR" smtClean="0"/>
-              <a:t>08/06/2020</a:t>
+              <a:t>12/06/2020</a:t>
             </a:fld>
             <a:endParaRPr lang="fr-FR"/>
           </a:p>
@@ -4337,7 +4337,7 @@
                   <a:srgbClr val="00B050"/>
                 </a:solidFill>
               </a:rPr>
-              <a:t>   specimenRequirements </a:t>
+              <a:t>   specimenRequested </a:t>
             </a:r>
           </a:p>
           <a:p>

--- a/input/images-source/LabExampleE2Technical.pptx
+++ b/input/images-source/LabExampleE2Technical.pptx
@@ -259,7 +259,7 @@
           <a:p>
             <a:fld id="{5380F71B-98C8-4021-BD6F-7E8A68EA6340}" type="datetimeFigureOut">
               <a:rPr lang="fr-FR" smtClean="0"/>
-              <a:t>12/06/2020</a:t>
+              <a:t>04/12/2020</a:t>
             </a:fld>
             <a:endParaRPr lang="fr-FR"/>
           </a:p>
@@ -457,7 +457,7 @@
           <a:p>
             <a:fld id="{5380F71B-98C8-4021-BD6F-7E8A68EA6340}" type="datetimeFigureOut">
               <a:rPr lang="fr-FR" smtClean="0"/>
-              <a:t>12/06/2020</a:t>
+              <a:t>04/12/2020</a:t>
             </a:fld>
             <a:endParaRPr lang="fr-FR"/>
           </a:p>
@@ -665,7 +665,7 @@
           <a:p>
             <a:fld id="{5380F71B-98C8-4021-BD6F-7E8A68EA6340}" type="datetimeFigureOut">
               <a:rPr lang="fr-FR" smtClean="0"/>
-              <a:t>12/06/2020</a:t>
+              <a:t>04/12/2020</a:t>
             </a:fld>
             <a:endParaRPr lang="fr-FR"/>
           </a:p>
@@ -863,7 +863,7 @@
           <a:p>
             <a:fld id="{5380F71B-98C8-4021-BD6F-7E8A68EA6340}" type="datetimeFigureOut">
               <a:rPr lang="fr-FR" smtClean="0"/>
-              <a:t>12/06/2020</a:t>
+              <a:t>04/12/2020</a:t>
             </a:fld>
             <a:endParaRPr lang="fr-FR"/>
           </a:p>
@@ -1138,7 +1138,7 @@
           <a:p>
             <a:fld id="{5380F71B-98C8-4021-BD6F-7E8A68EA6340}" type="datetimeFigureOut">
               <a:rPr lang="fr-FR" smtClean="0"/>
-              <a:t>12/06/2020</a:t>
+              <a:t>04/12/2020</a:t>
             </a:fld>
             <a:endParaRPr lang="fr-FR"/>
           </a:p>
@@ -1403,7 +1403,7 @@
           <a:p>
             <a:fld id="{5380F71B-98C8-4021-BD6F-7E8A68EA6340}" type="datetimeFigureOut">
               <a:rPr lang="fr-FR" smtClean="0"/>
-              <a:t>12/06/2020</a:t>
+              <a:t>04/12/2020</a:t>
             </a:fld>
             <a:endParaRPr lang="fr-FR"/>
           </a:p>
@@ -1815,7 +1815,7 @@
           <a:p>
             <a:fld id="{5380F71B-98C8-4021-BD6F-7E8A68EA6340}" type="datetimeFigureOut">
               <a:rPr lang="fr-FR" smtClean="0"/>
-              <a:t>12/06/2020</a:t>
+              <a:t>04/12/2020</a:t>
             </a:fld>
             <a:endParaRPr lang="fr-FR"/>
           </a:p>
@@ -1956,7 +1956,7 @@
           <a:p>
             <a:fld id="{5380F71B-98C8-4021-BD6F-7E8A68EA6340}" type="datetimeFigureOut">
               <a:rPr lang="fr-FR" smtClean="0"/>
-              <a:t>12/06/2020</a:t>
+              <a:t>04/12/2020</a:t>
             </a:fld>
             <a:endParaRPr lang="fr-FR"/>
           </a:p>
@@ -2069,7 +2069,7 @@
           <a:p>
             <a:fld id="{5380F71B-98C8-4021-BD6F-7E8A68EA6340}" type="datetimeFigureOut">
               <a:rPr lang="fr-FR" smtClean="0"/>
-              <a:t>12/06/2020</a:t>
+              <a:t>04/12/2020</a:t>
             </a:fld>
             <a:endParaRPr lang="fr-FR"/>
           </a:p>
@@ -2380,7 +2380,7 @@
           <a:p>
             <a:fld id="{5380F71B-98C8-4021-BD6F-7E8A68EA6340}" type="datetimeFigureOut">
               <a:rPr lang="fr-FR" smtClean="0"/>
-              <a:t>12/06/2020</a:t>
+              <a:t>04/12/2020</a:t>
             </a:fld>
             <a:endParaRPr lang="fr-FR"/>
           </a:p>
@@ -2668,7 +2668,7 @@
           <a:p>
             <a:fld id="{5380F71B-98C8-4021-BD6F-7E8A68EA6340}" type="datetimeFigureOut">
               <a:rPr lang="fr-FR" smtClean="0"/>
-              <a:t>12/06/2020</a:t>
+              <a:t>04/12/2020</a:t>
             </a:fld>
             <a:endParaRPr lang="fr-FR"/>
           </a:p>
@@ -2909,7 +2909,7 @@
           <a:p>
             <a:fld id="{5380F71B-98C8-4021-BD6F-7E8A68EA6340}" type="datetimeFigureOut">
               <a:rPr lang="fr-FR" smtClean="0"/>
-              <a:t>12/06/2020</a:t>
+              <a:t>04/12/2020</a:t>
             </a:fld>
             <a:endParaRPr lang="fr-FR"/>
           </a:p>
@@ -3340,7 +3340,7 @@
         </p:nvSpPr>
         <p:spPr>
           <a:xfrm>
-            <a:off x="5727585" y="3109383"/>
+            <a:off x="6005877" y="3761395"/>
             <a:ext cx="3362044" cy="2650348"/>
           </a:xfrm>
           <a:prstGeom prst="roundRect">
@@ -3577,7 +3577,7 @@
         </p:nvSpPr>
         <p:spPr>
           <a:xfrm>
-            <a:off x="5745269" y="1650923"/>
+            <a:off x="6009461" y="2468632"/>
             <a:ext cx="2438933" cy="1167952"/>
           </a:xfrm>
           <a:prstGeom prst="roundRect">
@@ -3670,7 +3670,7 @@
         </p:nvSpPr>
         <p:spPr>
           <a:xfrm>
-            <a:off x="9291737" y="4088590"/>
+            <a:off x="9570029" y="4740602"/>
             <a:ext cx="2438936" cy="863460"/>
           </a:xfrm>
           <a:prstGeom prst="roundRect">
@@ -3754,7 +3754,7 @@
         </p:nvCxnSpPr>
         <p:spPr>
           <a:xfrm flipV="1">
-            <a:off x="8859078" y="4520321"/>
+            <a:off x="9137370" y="5172333"/>
             <a:ext cx="405363" cy="772147"/>
           </a:xfrm>
           <a:prstGeom prst="straightConnector1">
@@ -3799,8 +3799,8 @@
         </p:nvCxnSpPr>
         <p:spPr>
           <a:xfrm flipV="1">
-            <a:off x="5194852" y="2234899"/>
-            <a:ext cx="550417" cy="3009728"/>
+            <a:off x="5173514" y="3052608"/>
+            <a:ext cx="835947" cy="2375359"/>
           </a:xfrm>
           <a:prstGeom prst="straightConnector1">
             <a:avLst/>
@@ -3844,8 +3844,8 @@
         </p:nvCxnSpPr>
         <p:spPr>
           <a:xfrm flipV="1">
-            <a:off x="5118758" y="4434557"/>
-            <a:ext cx="608827" cy="1325176"/>
+            <a:off x="5146219" y="5086569"/>
+            <a:ext cx="859658" cy="850716"/>
           </a:xfrm>
           <a:prstGeom prst="straightConnector1">
             <a:avLst/>
@@ -3886,7 +3886,7 @@
         </p:nvSpPr>
         <p:spPr>
           <a:xfrm>
-            <a:off x="9291737" y="2108540"/>
+            <a:off x="9570029" y="2760552"/>
             <a:ext cx="2412548" cy="863460"/>
           </a:xfrm>
           <a:prstGeom prst="roundRect">
@@ -3971,7 +3971,7 @@
         </p:nvCxnSpPr>
         <p:spPr>
           <a:xfrm flipV="1">
-            <a:off x="8245490" y="2540270"/>
+            <a:off x="8523782" y="3192282"/>
             <a:ext cx="1046247" cy="2229366"/>
           </a:xfrm>
           <a:prstGeom prst="straightConnector1">
@@ -4014,11 +4014,11 @@
         <p:spPr>
           <a:xfrm>
             <a:off x="2642952" y="1275544"/>
-            <a:ext cx="2909821" cy="4648178"/>
+            <a:ext cx="2909821" cy="4869524"/>
           </a:xfrm>
           <a:prstGeom prst="roundRect">
             <a:avLst>
-              <a:gd name="adj" fmla="val 8884"/>
+              <a:gd name="adj" fmla="val 4785"/>
             </a:avLst>
           </a:prstGeom>
           <a:noFill/>
@@ -4326,6 +4326,17 @@
                   <a:srgbClr val="0070C0"/>
                 </a:solidFill>
               </a:rPr>
+              <a:t>relatedArtifact:Includes [ ]</a:t>
+            </a:r>
+          </a:p>
+          <a:p>
+            <a:pPr marL="176213"/>
+            <a:r>
+              <a:rPr lang="en-US" sz="1600" noProof="1">
+                <a:solidFill>
+                  <a:srgbClr val="0070C0"/>
+                </a:solidFill>
+              </a:rPr>
               <a:t>action</a:t>
             </a:r>
           </a:p>
@@ -4462,7 +4473,7 @@
         </p:nvSpPr>
         <p:spPr>
           <a:xfrm>
-            <a:off x="9291736" y="3093010"/>
+            <a:off x="9570028" y="3745022"/>
             <a:ext cx="2438936" cy="863460"/>
           </a:xfrm>
           <a:prstGeom prst="roundRect">
@@ -4547,7 +4558,7 @@
         </p:nvCxnSpPr>
         <p:spPr>
           <a:xfrm flipV="1">
-            <a:off x="8768614" y="3524740"/>
+            <a:off x="9046906" y="4176752"/>
             <a:ext cx="523122" cy="1477220"/>
           </a:xfrm>
           <a:prstGeom prst="straightConnector1">
@@ -4589,7 +4600,7 @@
         </p:nvSpPr>
         <p:spPr>
           <a:xfrm>
-            <a:off x="9291735" y="5090495"/>
+            <a:off x="9570027" y="5742507"/>
             <a:ext cx="2438936" cy="863459"/>
           </a:xfrm>
           <a:prstGeom prst="roundRect">
@@ -4674,7 +4685,7 @@
         </p:nvCxnSpPr>
         <p:spPr>
           <a:xfrm>
-            <a:off x="8859078" y="5522225"/>
+            <a:off x="9137370" y="6174237"/>
             <a:ext cx="432657" cy="0"/>
           </a:xfrm>
           <a:prstGeom prst="straightConnector1">
@@ -4718,7 +4729,7 @@
         </p:nvCxnSpPr>
         <p:spPr>
           <a:xfrm flipH="1">
-            <a:off x="2320526" y="1816620"/>
+            <a:off x="2320526" y="1784816"/>
             <a:ext cx="460774" cy="0"/>
           </a:xfrm>
           <a:prstGeom prst="straightConnector1">
@@ -4861,6 +4872,156 @@
           </a:p>
         </p:txBody>
       </p:sp>
+      <p:sp>
+        <p:nvSpPr>
+          <p:cNvPr id="22" name="Rectangle : coins arrondis 21">
+            <a:extLst>
+              <a:ext uri="{FF2B5EF4-FFF2-40B4-BE49-F238E27FC236}">
+                <a16:creationId xmlns:a16="http://schemas.microsoft.com/office/drawing/2014/main" id="{CD821F04-19EB-4C0C-8DDE-2043CB5F5063}"/>
+              </a:ext>
+            </a:extLst>
+          </p:cNvPr>
+          <p:cNvSpPr/>
+          <p:nvPr/>
+        </p:nvSpPr>
+        <p:spPr>
+          <a:xfrm>
+            <a:off x="6005877" y="1296083"/>
+            <a:ext cx="2192531" cy="880561"/>
+          </a:xfrm>
+          <a:prstGeom prst="roundRect">
+            <a:avLst>
+              <a:gd name="adj" fmla="val 7117"/>
+            </a:avLst>
+          </a:prstGeom>
+          <a:noFill/>
+          <a:ln>
+            <a:solidFill>
+              <a:schemeClr val="tx1"/>
+            </a:solidFill>
+          </a:ln>
+        </p:spPr>
+        <p:style>
+          <a:lnRef idx="2">
+            <a:schemeClr val="accent1">
+              <a:shade val="50000"/>
+            </a:schemeClr>
+          </a:lnRef>
+          <a:fillRef idx="1">
+            <a:schemeClr val="accent1"/>
+          </a:fillRef>
+          <a:effectRef idx="0">
+            <a:schemeClr val="accent1"/>
+          </a:effectRef>
+          <a:fontRef idx="minor">
+            <a:schemeClr val="lt1"/>
+          </a:fontRef>
+        </p:style>
+        <p:txBody>
+          <a:bodyPr lIns="18000" rIns="18000" rtlCol="0" anchor="t" anchorCtr="0"/>
+          <a:lstStyle/>
+          <a:p>
+            <a:r>
+              <a:rPr lang="en-US" noProof="1">
+                <a:solidFill>
+                  <a:srgbClr val="0070C0"/>
+                </a:solidFill>
+              </a:rPr>
+              <a:t>PlanDefinition</a:t>
+            </a:r>
+            <a:endParaRPr lang="en-US" noProof="1">
+              <a:solidFill>
+                <a:schemeClr val="tx1"/>
+              </a:solidFill>
+            </a:endParaRPr>
+          </a:p>
+          <a:p>
+            <a:pPr marL="176213"/>
+            <a:r>
+              <a:rPr lang="en-US" sz="1600" noProof="1">
+                <a:solidFill>
+                  <a:srgbClr val="0070C0"/>
+                </a:solidFill>
+              </a:rPr>
+              <a:t>title: </a:t>
+            </a:r>
+            <a:r>
+              <a:rPr lang="en-US" sz="1600" noProof="1">
+                <a:solidFill>
+                  <a:schemeClr val="tx1"/>
+                </a:solidFill>
+              </a:rPr>
+              <a:t>serum potassium</a:t>
+            </a:r>
+          </a:p>
+          <a:p>
+            <a:pPr marL="176213"/>
+            <a:r>
+              <a:rPr lang="en-US" sz="1600" noProof="1">
+                <a:solidFill>
+                  <a:srgbClr val="0070C0"/>
+                </a:solidFill>
+              </a:rPr>
+              <a:t>type: </a:t>
+            </a:r>
+            <a:r>
+              <a:rPr lang="en-US" sz="1600" noProof="1">
+                <a:solidFill>
+                  <a:schemeClr val="tx1"/>
+                </a:solidFill>
+              </a:rPr>
+              <a:t>test</a:t>
+            </a:r>
+          </a:p>
+        </p:txBody>
+      </p:sp>
+      <p:cxnSp>
+        <p:nvCxnSpPr>
+          <p:cNvPr id="23" name="Connecteur droit avec flèche 22">
+            <a:extLst>
+              <a:ext uri="{FF2B5EF4-FFF2-40B4-BE49-F238E27FC236}">
+                <a16:creationId xmlns:a16="http://schemas.microsoft.com/office/drawing/2014/main" id="{840B7627-8942-44F3-ABF8-20C1CE3151FF}"/>
+              </a:ext>
+            </a:extLst>
+          </p:cNvPr>
+          <p:cNvCxnSpPr>
+            <a:cxnSpLocks/>
+            <a:endCxn id="22" idx="1"/>
+          </p:cNvCxnSpPr>
+          <p:nvPr/>
+        </p:nvCxnSpPr>
+        <p:spPr>
+          <a:xfrm flipV="1">
+            <a:off x="5206719" y="1736364"/>
+            <a:ext cx="799158" cy="3249258"/>
+          </a:xfrm>
+          <a:prstGeom prst="straightConnector1">
+            <a:avLst/>
+          </a:prstGeom>
+          <a:ln>
+            <a:solidFill>
+              <a:schemeClr val="accent4">
+                <a:lumMod val="75000"/>
+              </a:schemeClr>
+            </a:solidFill>
+            <a:tailEnd type="triangle" w="lg" len="lg"/>
+          </a:ln>
+        </p:spPr>
+        <p:style>
+          <a:lnRef idx="1">
+            <a:schemeClr val="accent1"/>
+          </a:lnRef>
+          <a:fillRef idx="0">
+            <a:schemeClr val="accent1"/>
+          </a:fillRef>
+          <a:effectRef idx="0">
+            <a:schemeClr val="accent1"/>
+          </a:effectRef>
+          <a:fontRef idx="minor">
+            <a:schemeClr val="tx1"/>
+          </a:fontRef>
+        </p:style>
+      </p:cxnSp>
     </p:spTree>
     <p:extLst>
       <p:ext uri="{BB962C8B-B14F-4D97-AF65-F5344CB8AC3E}">
